--- a/images/Search Flow Chart.pptx
+++ b/images/Search Flow Chart.pptx
@@ -288,7 +288,7 @@
           <a:p>
             <a:fld id="{A37D059E-E853-C442-A5B4-81000E931BBA}" type="datetimeFigureOut">
               <a:rPr lang="en-US" smtClean="0"/>
-              <a:t>8/04/19</a:t>
+              <a:t>9/04/19</a:t>
             </a:fld>
             <a:endParaRPr lang="en-US"/>
           </a:p>
@@ -458,7 +458,7 @@
           <a:p>
             <a:fld id="{A37D059E-E853-C442-A5B4-81000E931BBA}" type="datetimeFigureOut">
               <a:rPr lang="en-US" smtClean="0"/>
-              <a:t>8/04/19</a:t>
+              <a:t>9/04/19</a:t>
             </a:fld>
             <a:endParaRPr lang="en-US"/>
           </a:p>
@@ -638,7 +638,7 @@
           <a:p>
             <a:fld id="{A37D059E-E853-C442-A5B4-81000E931BBA}" type="datetimeFigureOut">
               <a:rPr lang="en-US" smtClean="0"/>
-              <a:t>8/04/19</a:t>
+              <a:t>9/04/19</a:t>
             </a:fld>
             <a:endParaRPr lang="en-US"/>
           </a:p>
@@ -808,7 +808,7 @@
           <a:p>
             <a:fld id="{A37D059E-E853-C442-A5B4-81000E931BBA}" type="datetimeFigureOut">
               <a:rPr lang="en-US" smtClean="0"/>
-              <a:t>8/04/19</a:t>
+              <a:t>9/04/19</a:t>
             </a:fld>
             <a:endParaRPr lang="en-US"/>
           </a:p>
@@ -1054,7 +1054,7 @@
           <a:p>
             <a:fld id="{A37D059E-E853-C442-A5B4-81000E931BBA}" type="datetimeFigureOut">
               <a:rPr lang="en-US" smtClean="0"/>
-              <a:t>8/04/19</a:t>
+              <a:t>9/04/19</a:t>
             </a:fld>
             <a:endParaRPr lang="en-US"/>
           </a:p>
@@ -1342,7 +1342,7 @@
           <a:p>
             <a:fld id="{A37D059E-E853-C442-A5B4-81000E931BBA}" type="datetimeFigureOut">
               <a:rPr lang="en-US" smtClean="0"/>
-              <a:t>8/04/19</a:t>
+              <a:t>9/04/19</a:t>
             </a:fld>
             <a:endParaRPr lang="en-US"/>
           </a:p>
@@ -1769,7 +1769,7 @@
           <a:p>
             <a:fld id="{A37D059E-E853-C442-A5B4-81000E931BBA}" type="datetimeFigureOut">
               <a:rPr lang="en-US" smtClean="0"/>
-              <a:t>8/04/19</a:t>
+              <a:t>9/04/19</a:t>
             </a:fld>
             <a:endParaRPr lang="en-US"/>
           </a:p>
@@ -1887,7 +1887,7 @@
           <a:p>
             <a:fld id="{A37D059E-E853-C442-A5B4-81000E931BBA}" type="datetimeFigureOut">
               <a:rPr lang="en-US" smtClean="0"/>
-              <a:t>8/04/19</a:t>
+              <a:t>9/04/19</a:t>
             </a:fld>
             <a:endParaRPr lang="en-US"/>
           </a:p>
@@ -1982,7 +1982,7 @@
           <a:p>
             <a:fld id="{A37D059E-E853-C442-A5B4-81000E931BBA}" type="datetimeFigureOut">
               <a:rPr lang="en-US" smtClean="0"/>
-              <a:t>8/04/19</a:t>
+              <a:t>9/04/19</a:t>
             </a:fld>
             <a:endParaRPr lang="en-US"/>
           </a:p>
@@ -2259,7 +2259,7 @@
           <a:p>
             <a:fld id="{A37D059E-E853-C442-A5B4-81000E931BBA}" type="datetimeFigureOut">
               <a:rPr lang="en-US" smtClean="0"/>
-              <a:t>8/04/19</a:t>
+              <a:t>9/04/19</a:t>
             </a:fld>
             <a:endParaRPr lang="en-US"/>
           </a:p>
@@ -2512,7 +2512,7 @@
           <a:p>
             <a:fld id="{A37D059E-E853-C442-A5B4-81000E931BBA}" type="datetimeFigureOut">
               <a:rPr lang="en-US" smtClean="0"/>
-              <a:t>8/04/19</a:t>
+              <a:t>9/04/19</a:t>
             </a:fld>
             <a:endParaRPr lang="en-US"/>
           </a:p>
@@ -2725,7 +2725,7 @@
           <a:p>
             <a:fld id="{A37D059E-E853-C442-A5B4-81000E931BBA}" type="datetimeFigureOut">
               <a:rPr lang="en-US" smtClean="0"/>
-              <a:t>8/04/19</a:t>
+              <a:t>9/04/19</a:t>
             </a:fld>
             <a:endParaRPr lang="en-US"/>
           </a:p>
@@ -3108,7 +3108,7 @@
         </p:nvSpPr>
         <p:spPr>
           <a:xfrm>
-            <a:off x="533610" y="128441"/>
+            <a:off x="1220128" y="128441"/>
             <a:ext cx="2583610" cy="461665"/>
           </a:xfrm>
           <a:prstGeom prst="rect">
@@ -3316,7 +3316,7 @@
         </p:nvSpPr>
         <p:spPr>
           <a:xfrm>
-            <a:off x="5497287" y="340906"/>
+            <a:off x="8803645" y="4044979"/>
             <a:ext cx="2589471" cy="461665"/>
           </a:xfrm>
           <a:prstGeom prst="rect">
@@ -3841,55 +3841,14 @@
         <p:nvCxnSpPr>
           <p:cNvPr id="33" name="Straight Arrow Connector 32"/>
           <p:cNvCxnSpPr>
-            <a:stCxn id="10" idx="1"/>
-            <a:endCxn id="5" idx="3"/>
+            <a:endCxn id="10" idx="1"/>
           </p:cNvCxnSpPr>
           <p:nvPr/>
         </p:nvCxnSpPr>
         <p:spPr>
-          <a:xfrm flipH="1" flipV="1">
-            <a:off x="3117220" y="359274"/>
-            <a:ext cx="2380067" cy="212465"/>
-          </a:xfrm>
-          <a:prstGeom prst="straightConnector1">
-            <a:avLst/>
-          </a:prstGeom>
-          <a:ln w="28575" cmpd="sng">
-            <a:solidFill>
-              <a:schemeClr val="tx1"/>
-            </a:solidFill>
-            <a:headEnd type="none"/>
-            <a:tailEnd type="triangle" w="lg" len="lg"/>
-          </a:ln>
-          <a:effectLst/>
-        </p:spPr>
-        <p:style>
-          <a:lnRef idx="2">
-            <a:schemeClr val="accent1"/>
-          </a:lnRef>
-          <a:fillRef idx="0">
-            <a:schemeClr val="accent1"/>
-          </a:fillRef>
-          <a:effectRef idx="1">
-            <a:schemeClr val="accent1"/>
-          </a:effectRef>
-          <a:fontRef idx="minor">
-            <a:schemeClr val="tx1"/>
-          </a:fontRef>
-        </p:style>
-      </p:cxnSp>
-      <p:cxnSp>
-        <p:nvCxnSpPr>
-          <p:cNvPr id="34" name="Straight Arrow Connector 33"/>
-          <p:cNvCxnSpPr>
-            <a:endCxn id="7" idx="0"/>
-          </p:cNvCxnSpPr>
-          <p:nvPr/>
-        </p:nvCxnSpPr>
-        <p:spPr>
-          <a:xfrm>
-            <a:off x="6404412" y="836017"/>
-            <a:ext cx="41999" cy="1083773"/>
+          <a:xfrm>
+            <a:off x="6661352" y="2367195"/>
+            <a:ext cx="2142293" cy="1908617"/>
           </a:xfrm>
           <a:prstGeom prst="straightConnector1">
             <a:avLst/>
@@ -4361,8 +4320,8 @@
         </p:nvCxnSpPr>
         <p:spPr>
           <a:xfrm flipH="1">
-            <a:off x="9560718" y="1249980"/>
-            <a:ext cx="1083455" cy="1117215"/>
+            <a:off x="9560718" y="1455218"/>
+            <a:ext cx="359639" cy="706739"/>
           </a:xfrm>
           <a:prstGeom prst="straightConnector1">
             <a:avLst/>
@@ -4395,15 +4354,14 @@
         <p:nvCxnSpPr>
           <p:cNvPr id="80" name="Straight Arrow Connector 79"/>
           <p:cNvCxnSpPr>
-            <a:stCxn id="5" idx="2"/>
             <a:endCxn id="6" idx="0"/>
           </p:cNvCxnSpPr>
           <p:nvPr/>
         </p:nvCxnSpPr>
         <p:spPr>
           <a:xfrm>
-            <a:off x="1825415" y="590106"/>
-            <a:ext cx="528533" cy="729520"/>
+            <a:off x="2353948" y="590106"/>
+            <a:ext cx="0" cy="729520"/>
           </a:xfrm>
           <a:prstGeom prst="straightConnector1">
             <a:avLst/>
@@ -5726,6 +5684,47 @@
           </a:p>
         </p:txBody>
       </p:sp>
+      <p:cxnSp>
+        <p:nvCxnSpPr>
+          <p:cNvPr id="68" name="Straight Arrow Connector 67"/>
+          <p:cNvCxnSpPr>
+            <a:stCxn id="10" idx="3"/>
+            <a:endCxn id="116" idx="1"/>
+          </p:cNvCxnSpPr>
+          <p:nvPr/>
+        </p:nvCxnSpPr>
+        <p:spPr>
+          <a:xfrm>
+            <a:off x="11393116" y="4275812"/>
+            <a:ext cx="4797210" cy="380645"/>
+          </a:xfrm>
+          <a:prstGeom prst="straightConnector1">
+            <a:avLst/>
+          </a:prstGeom>
+          <a:ln w="28575" cmpd="sng">
+            <a:solidFill>
+              <a:schemeClr val="tx1"/>
+            </a:solidFill>
+            <a:headEnd type="none"/>
+            <a:tailEnd type="triangle" w="lg" len="lg"/>
+          </a:ln>
+          <a:effectLst/>
+        </p:spPr>
+        <p:style>
+          <a:lnRef idx="2">
+            <a:schemeClr val="accent1"/>
+          </a:lnRef>
+          <a:fillRef idx="0">
+            <a:schemeClr val="accent1"/>
+          </a:fillRef>
+          <a:effectRef idx="1">
+            <a:schemeClr val="accent1"/>
+          </a:effectRef>
+          <a:fontRef idx="minor">
+            <a:schemeClr val="tx1"/>
+          </a:fontRef>
+        </p:style>
+      </p:cxnSp>
     </p:spTree>
     <p:extLst>
       <p:ext uri="{BB962C8B-B14F-4D97-AF65-F5344CB8AC3E}">
